--- a/애니원 고등학교 강의 자료2.pptx
+++ b/애니원 고등학교 강의 자료2.pptx
@@ -235,7 +235,7 @@
                 <a:latin typeface="맑은 고딕" panose="020B0503020000020004" pitchFamily="50" charset="-127"/>
                 <a:ea typeface="맑은 고딕" panose="020B0503020000020004" pitchFamily="50" charset="-127"/>
               </a:rPr>
-              <a:t>2020-02-06</a:t>
+              <a:t>2020-02-09</a:t>
             </a:fld>
             <a:endParaRPr lang="ko-KR" altLang="en-US" dirty="0">
               <a:latin typeface="맑은 고딕" panose="020B0503020000020004" pitchFamily="50" charset="-127"/>
@@ -422,7 +422,7 @@
             <a:fld id="{F982D051-E7AC-4810-90EF-69A20AD37526}" type="datetime1">
               <a:rPr lang="ko-KR" altLang="en-US" smtClean="0"/>
               <a:pPr/>
-              <a:t>2020-02-06</a:t>
+              <a:t>2020-02-09</a:t>
             </a:fld>
             <a:endParaRPr lang="ko-KR" altLang="en-US" dirty="0"/>
           </a:p>
@@ -1306,7 +1306,7 @@
             <a:fld id="{EEB2207E-CB41-4C91-B7CD-77F94AAA1D8A}" type="datetime1">
               <a:rPr lang="ko-KR" altLang="en-US" smtClean="0"/>
               <a:pPr/>
-              <a:t>2020-02-06</a:t>
+              <a:t>2020-02-09</a:t>
             </a:fld>
             <a:endParaRPr lang="ko-KR" altLang="en-US" dirty="0"/>
           </a:p>
@@ -1607,7 +1607,7 @@
             <a:fld id="{279AEAF1-139C-43D6-A1AE-EB03D6288722}" type="datetime1">
               <a:rPr lang="ko-KR" altLang="en-US" smtClean="0"/>
               <a:pPr/>
-              <a:t>2020-02-06</a:t>
+              <a:t>2020-02-09</a:t>
             </a:fld>
             <a:endParaRPr lang="ko-KR" altLang="en-US" dirty="0"/>
           </a:p>
@@ -1859,7 +1859,7 @@
             <a:fld id="{E4BDD81A-B9EA-4E7B-9806-24597CC5581A}" type="datetime1">
               <a:rPr lang="ko-KR" altLang="en-US" smtClean="0"/>
               <a:pPr/>
-              <a:t>2020-02-06</a:t>
+              <a:t>2020-02-09</a:t>
             </a:fld>
             <a:endParaRPr lang="ko-KR" altLang="en-US" dirty="0"/>
           </a:p>
@@ -2417,7 +2417,7 @@
             <a:fld id="{4838EC3F-749E-40F0-9FC4-13DD48752285}" type="datetime1">
               <a:rPr lang="ko-KR" altLang="en-US" smtClean="0"/>
               <a:pPr/>
-              <a:t>2020-02-06</a:t>
+              <a:t>2020-02-09</a:t>
             </a:fld>
             <a:endParaRPr lang="ko-KR" altLang="en-US" dirty="0"/>
           </a:p>
@@ -2681,7 +2681,7 @@
             <a:fld id="{2FB0C9B0-519D-4017-A833-70329831492C}" type="datetime1">
               <a:rPr lang="ko-KR" altLang="en-US" smtClean="0"/>
               <a:pPr/>
-              <a:t>2020-02-06</a:t>
+              <a:t>2020-02-09</a:t>
             </a:fld>
             <a:endParaRPr lang="ko-KR" altLang="en-US" dirty="0"/>
           </a:p>
@@ -3230,7 +3230,7 @@
             <a:fld id="{DD5CDD6C-5731-4FEC-B57E-BD3C1113222C}" type="datetime1">
               <a:rPr lang="ko-KR" altLang="en-US" smtClean="0"/>
               <a:pPr/>
-              <a:t>2020-02-06</a:t>
+              <a:t>2020-02-09</a:t>
             </a:fld>
             <a:endParaRPr lang="ko-KR" altLang="en-US" dirty="0"/>
           </a:p>
@@ -3542,7 +3542,7 @@
             <a:fld id="{80B24BF9-F119-47BE-81AC-69885F34D01E}" type="datetime1">
               <a:rPr lang="ko-KR" altLang="en-US" smtClean="0"/>
               <a:pPr/>
-              <a:t>2020-02-06</a:t>
+              <a:t>2020-02-09</a:t>
             </a:fld>
             <a:endParaRPr lang="ko-KR" altLang="en-US" dirty="0"/>
           </a:p>
@@ -3720,7 +3720,7 @@
             <a:fld id="{E322ECF5-B670-4E41-8562-EC4E8C060A69}" type="datetime1">
               <a:rPr lang="ko-KR" altLang="en-US" smtClean="0"/>
               <a:pPr/>
-              <a:t>2020-02-06</a:t>
+              <a:t>2020-02-09</a:t>
             </a:fld>
             <a:endParaRPr lang="ko-KR" altLang="en-US" dirty="0"/>
           </a:p>
@@ -3904,7 +3904,7 @@
             <a:fld id="{05286E99-FDF3-4278-8385-23074F8A8372}" type="datetime1">
               <a:rPr lang="ko-KR" altLang="en-US" smtClean="0"/>
               <a:pPr/>
-              <a:t>2020-02-06</a:t>
+              <a:t>2020-02-09</a:t>
             </a:fld>
             <a:endParaRPr lang="ko-KR" altLang="en-US" dirty="0"/>
           </a:p>
@@ -4078,7 +4078,7 @@
             <a:fld id="{0576D295-1BE8-4422-BBA3-4C4166E1FFBA}" type="datetime1">
               <a:rPr lang="ko-KR" altLang="en-US" smtClean="0"/>
               <a:pPr/>
-              <a:t>2020-02-06</a:t>
+              <a:t>2020-02-09</a:t>
             </a:fld>
             <a:endParaRPr lang="ko-KR" altLang="en-US" dirty="0"/>
           </a:p>
@@ -4333,7 +4333,7 @@
             <a:fld id="{B518F889-CF6D-48B4-9DBA-7DAFA8901B75}" type="datetime1">
               <a:rPr lang="ko-KR" altLang="en-US" smtClean="0"/>
               <a:pPr/>
-              <a:t>2020-02-06</a:t>
+              <a:t>2020-02-09</a:t>
             </a:fld>
             <a:endParaRPr lang="ko-KR" altLang="en-US" dirty="0"/>
           </a:p>
@@ -4634,7 +4634,7 @@
             <a:fld id="{9EF13524-8E5F-4A18-81DB-5C7BE141FE1E}" type="datetime1">
               <a:rPr lang="ko-KR" altLang="en-US" smtClean="0"/>
               <a:pPr/>
-              <a:t>2020-02-06</a:t>
+              <a:t>2020-02-09</a:t>
             </a:fld>
             <a:endParaRPr lang="ko-KR" altLang="en-US" dirty="0"/>
           </a:p>
@@ -5080,7 +5080,7 @@
             <a:fld id="{55ED2EB9-DB8A-41FB-9C3A-C831B0BB6AA9}" type="datetime1">
               <a:rPr lang="ko-KR" altLang="en-US" smtClean="0"/>
               <a:pPr/>
-              <a:t>2020-02-06</a:t>
+              <a:t>2020-02-09</a:t>
             </a:fld>
             <a:endParaRPr lang="ko-KR" altLang="en-US" dirty="0"/>
           </a:p>
@@ -5202,7 +5202,7 @@
             <a:fld id="{3FF0D3B1-2164-4F34-BF9E-E14C52C38144}" type="datetime1">
               <a:rPr lang="ko-KR" altLang="en-US" smtClean="0"/>
               <a:pPr/>
-              <a:t>2020-02-06</a:t>
+              <a:t>2020-02-09</a:t>
             </a:fld>
             <a:endParaRPr lang="ko-KR" altLang="en-US" dirty="0"/>
           </a:p>
@@ -5300,7 +5300,7 @@
             <a:fld id="{3F7823E7-13E4-45D6-9E0C-8EEAB8B26D64}" type="datetime1">
               <a:rPr lang="ko-KR" altLang="en-US" smtClean="0"/>
               <a:pPr/>
-              <a:t>2020-02-06</a:t>
+              <a:t>2020-02-09</a:t>
             </a:fld>
             <a:endParaRPr lang="ko-KR" altLang="en-US" dirty="0"/>
           </a:p>
@@ -5587,7 +5587,7 @@
             <a:fld id="{FD12C05C-C40A-4C9C-84B1-0ECF8370CE26}" type="datetime1">
               <a:rPr lang="ko-KR" altLang="en-US" smtClean="0"/>
               <a:pPr/>
-              <a:t>2020-02-06</a:t>
+              <a:t>2020-02-09</a:t>
             </a:fld>
             <a:endParaRPr lang="ko-KR" altLang="en-US" dirty="0"/>
           </a:p>
@@ -5883,7 +5883,7 @@
             <a:fld id="{E7712BA4-0DC9-4120-89EB-458D19650DFC}" type="datetime1">
               <a:rPr lang="ko-KR" altLang="en-US" smtClean="0"/>
               <a:pPr/>
-              <a:t>2020-02-06</a:t>
+              <a:t>2020-02-09</a:t>
             </a:fld>
             <a:endParaRPr lang="ko-KR" altLang="en-US" dirty="0"/>
           </a:p>
@@ -6416,7 +6416,7 @@
             <a:fld id="{97C58CB5-B5AE-4D5E-9590-3F33817D9FD0}" type="datetime1">
               <a:rPr lang="ko-KR" altLang="en-US" smtClean="0"/>
               <a:pPr/>
-              <a:t>2020-02-06</a:t>
+              <a:t>2020-02-09</a:t>
             </a:fld>
             <a:endParaRPr lang="ko-KR" altLang="en-US" dirty="0"/>
           </a:p>
@@ -6962,7 +6962,7 @@
                 <a16:creationId xmlns:a16="http://schemas.microsoft.com/office/drawing/2014/main" id="{E5A92FE9-DB05-4D0D-AF5A-BE8664B9FFB4}"/>
               </a:ext>
               <a:ext uri="{C183D7F6-B498-43B3-948B-1728B52AA6E4}">
-                <adec:decorative xmlns:adec="http://schemas.microsoft.com/office/drawing/2017/decorative" xmlns="" val="1"/>
+                <adec:decorative xmlns="" xmlns:adec="http://schemas.microsoft.com/office/drawing/2017/decorative" val="1"/>
               </a:ext>
             </a:extLst>
           </p:cNvPr>
@@ -7025,7 +7025,7 @@
                 <a16:creationId xmlns:a16="http://schemas.microsoft.com/office/drawing/2014/main" id="{53D9B26A-5143-49A7-BA98-D871D5BD719A}"/>
               </a:ext>
               <a:ext uri="{C183D7F6-B498-43B3-948B-1728B52AA6E4}">
-                <adec:decorative xmlns:adec="http://schemas.microsoft.com/office/drawing/2017/decorative" xmlns="" val="1"/>
+                <adec:decorative xmlns="" xmlns:adec="http://schemas.microsoft.com/office/drawing/2017/decorative" val="1"/>
               </a:ext>
             </a:extLst>
           </p:cNvPr>
@@ -7056,7 +7056,7 @@
                   <a16:creationId xmlns:a16="http://schemas.microsoft.com/office/drawing/2014/main" id="{68B85E55-A2A1-4682-B891-F201358A92D5}"/>
                 </a:ext>
                 <a:ext uri="{C183D7F6-B498-43B3-948B-1728B52AA6E4}">
-                  <adec:decorative xmlns:adec="http://schemas.microsoft.com/office/drawing/2017/decorative" xmlns="" val="1"/>
+                  <adec:decorative xmlns="" xmlns:adec="http://schemas.microsoft.com/office/drawing/2017/decorative" val="1"/>
                 </a:ext>
               </a:extLst>
             </p:cNvPr>
@@ -7117,7 +7117,7 @@
                   <a16:creationId xmlns:a16="http://schemas.microsoft.com/office/drawing/2014/main" id="{45EF6EDB-9B5D-49E9-96FA-1AE08BF95E57}"/>
                 </a:ext>
                 <a:ext uri="{C183D7F6-B498-43B3-948B-1728B52AA6E4}">
-                  <adec:decorative xmlns:adec="http://schemas.microsoft.com/office/drawing/2017/decorative" xmlns="" val="1"/>
+                  <adec:decorative xmlns="" xmlns:adec="http://schemas.microsoft.com/office/drawing/2017/decorative" val="1"/>
                 </a:ext>
               </a:extLst>
             </p:cNvPr>
@@ -7181,7 +7181,7 @@
                   <a16:creationId xmlns:a16="http://schemas.microsoft.com/office/drawing/2014/main" id="{38338226-D6E2-4EEE-B271-DB4BD096DBA1}"/>
                 </a:ext>
                 <a:ext uri="{C183D7F6-B498-43B3-948B-1728B52AA6E4}">
-                  <adec:decorative xmlns:adec="http://schemas.microsoft.com/office/drawing/2017/decorative" xmlns="" val="1"/>
+                  <adec:decorative xmlns="" xmlns:adec="http://schemas.microsoft.com/office/drawing/2017/decorative" val="1"/>
                 </a:ext>
               </a:extLst>
             </p:cNvPr>
@@ -7239,7 +7239,7 @@
                   <a16:creationId xmlns:a16="http://schemas.microsoft.com/office/drawing/2014/main" id="{4878FB48-17B3-4A11-8025-DE0945CD4E71}"/>
                 </a:ext>
                 <a:ext uri="{C183D7F6-B498-43B3-948B-1728B52AA6E4}">
-                  <adec:decorative xmlns:adec="http://schemas.microsoft.com/office/drawing/2017/decorative" xmlns="" val="1"/>
+                  <adec:decorative xmlns="" xmlns:adec="http://schemas.microsoft.com/office/drawing/2017/decorative" val="1"/>
                 </a:ext>
               </a:extLst>
             </p:cNvPr>
@@ -7299,7 +7299,7 @@
                   <a16:creationId xmlns:a16="http://schemas.microsoft.com/office/drawing/2014/main" id="{4150A21C-DD6D-4D3C-9E95-7A3CA263BEB9}"/>
                 </a:ext>
                 <a:ext uri="{C183D7F6-B498-43B3-948B-1728B52AA6E4}">
-                  <adec:decorative xmlns:adec="http://schemas.microsoft.com/office/drawing/2017/decorative" xmlns="" val="1"/>
+                  <adec:decorative xmlns="" xmlns:adec="http://schemas.microsoft.com/office/drawing/2017/decorative" val="1"/>
                 </a:ext>
               </a:extLst>
             </p:cNvPr>
@@ -7365,7 +7365,7 @@
                   <a16:creationId xmlns:a16="http://schemas.microsoft.com/office/drawing/2014/main" id="{7505BF04-104D-4180-A284-42FCD6B04DD6}"/>
                 </a:ext>
                 <a:ext uri="{C183D7F6-B498-43B3-948B-1728B52AA6E4}">
-                  <adec:decorative xmlns:adec="http://schemas.microsoft.com/office/drawing/2017/decorative" xmlns="" val="1"/>
+                  <adec:decorative xmlns="" xmlns:adec="http://schemas.microsoft.com/office/drawing/2017/decorative" val="1"/>
                 </a:ext>
               </a:extLst>
             </p:cNvPr>
@@ -7814,15 +7814,7 @@
                 <a:ea typeface="KoPubWorld돋움체 Light" panose="00000300000000000000" pitchFamily="2" charset="-127"/>
                 <a:cs typeface="KoPubWorld돋움체 Light" panose="00000300000000000000" pitchFamily="2" charset="-127"/>
               </a:rPr>
-              <a:t>- </a:t>
-            </a:r>
-            <a:r>
-              <a:rPr lang="en-US" altLang="ko-KR" dirty="0" smtClean="0">
-                <a:latin typeface="KoPubWorld돋움체 Light" panose="00000300000000000000" pitchFamily="2" charset="-127"/>
-                <a:ea typeface="KoPubWorld돋움체 Light" panose="00000300000000000000" pitchFamily="2" charset="-127"/>
-                <a:cs typeface="KoPubWorld돋움체 Light" panose="00000300000000000000" pitchFamily="2" charset="-127"/>
-              </a:rPr>
-              <a:t>3</a:t>
+              <a:t>- 3</a:t>
             </a:r>
             <a:r>
               <a:rPr lang="ko-KR" altLang="en-US" dirty="0" smtClean="0">
@@ -8203,15 +8195,7 @@
                 <a:ea typeface="KoPubWorld돋움체 Light" panose="00000300000000000000" pitchFamily="2" charset="-127"/>
                 <a:cs typeface="KoPubWorld돋움체 Light" panose="00000300000000000000" pitchFamily="2" charset="-127"/>
               </a:rPr>
-              <a:t>- </a:t>
-            </a:r>
-            <a:r>
-              <a:rPr lang="en-US" altLang="ko-KR" dirty="0" smtClean="0">
-                <a:latin typeface="KoPubWorld돋움체 Light" panose="00000300000000000000" pitchFamily="2" charset="-127"/>
-                <a:ea typeface="KoPubWorld돋움체 Light" panose="00000300000000000000" pitchFamily="2" charset="-127"/>
-                <a:cs typeface="KoPubWorld돋움체 Light" panose="00000300000000000000" pitchFamily="2" charset="-127"/>
-              </a:rPr>
-              <a:t>5</a:t>
+              <a:t>- 5</a:t>
             </a:r>
             <a:r>
               <a:rPr lang="ko-KR" altLang="en-US" dirty="0" smtClean="0">
@@ -10822,12 +10806,20 @@
               <a:buNone/>
             </a:pPr>
             <a:r>
+              <a:rPr lang="en-US" altLang="ko-KR" dirty="0" err="1">
+                <a:latin typeface="KoPubWorld돋움체 Light" panose="00000300000000000000" pitchFamily="2" charset="-127"/>
+                <a:ea typeface="KoPubWorld돋움체 Light" panose="00000300000000000000" pitchFamily="2" charset="-127"/>
+                <a:cs typeface="KoPubWorld돋움체 Light" panose="00000300000000000000" pitchFamily="2" charset="-127"/>
+              </a:rPr>
+              <a:t>s</a:t>
+            </a:r>
+            <a:r>
               <a:rPr lang="en-US" altLang="ko-KR" dirty="0" err="1" smtClean="0">
                 <a:latin typeface="KoPubWorld돋움체 Light" panose="00000300000000000000" pitchFamily="2" charset="-127"/>
                 <a:ea typeface="KoPubWorld돋움체 Light" panose="00000300000000000000" pitchFamily="2" charset="-127"/>
                 <a:cs typeface="KoPubWorld돋움체 Light" panose="00000300000000000000" pitchFamily="2" charset="-127"/>
               </a:rPr>
-              <a:t>Std</a:t>
+              <a:t>td</a:t>
             </a:r>
             <a:r>
               <a:rPr lang="en-US" altLang="ko-KR" dirty="0" smtClean="0">
@@ -13570,14 +13562,6 @@
 </file>
 
 <file path=customXml/item2.xml><?xml version="1.0" encoding="utf-8"?>
-<p:properties xmlns:p="http://schemas.microsoft.com/office/2006/metadata/properties" xmlns:xsi="http://www.w3.org/2001/XMLSchema-instance" xmlns:pc="http://schemas.microsoft.com/office/infopath/2007/PartnerControls">
-  <documentManagement>
-    <MediaServiceKeyPoints xmlns="71af3243-3dd4-4a8d-8c0d-dd76da1f02a5" xsi:nil="true"/>
-  </documentManagement>
-</p:properties>
-</file>
-
-<file path=customXml/item3.xml><?xml version="1.0" encoding="utf-8"?>
 <ct:contentTypeSchema xmlns:ct="http://schemas.microsoft.com/office/2006/metadata/contentType" xmlns:ma="http://schemas.microsoft.com/office/2006/metadata/properties/metaAttributes" ct:_="" ma:_="" ma:contentTypeName="Document" ma:contentTypeID="0x01010079F111ED35F8CC479449609E8A0923A6" ma:contentTypeVersion="11" ma:contentTypeDescription="Create a new document." ma:contentTypeScope="" ma:versionID="9677210f24a1be23c92c90fd886aa0aa">
   <xsd:schema xmlns:xsd="http://www.w3.org/2001/XMLSchema" xmlns:xs="http://www.w3.org/2001/XMLSchema" xmlns:p="http://schemas.microsoft.com/office/2006/metadata/properties" xmlns:ns2="71af3243-3dd4-4a8d-8c0d-dd76da1f02a5" xmlns:ns3="16c05727-aa75-4e4a-9b5f-8a80a1165891" targetNamespace="http://schemas.microsoft.com/office/2006/metadata/properties" ma:root="true" ma:fieldsID="60e05723c5c1908df1a1a4ebf11d344e" ns2:_="" ns3:_="">
     <xsd:import namespace="71af3243-3dd4-4a8d-8c0d-dd76da1f02a5"/>
@@ -13788,6 +13772,14 @@
 </ct:contentTypeSchema>
 </file>
 
+<file path=customXml/item3.xml><?xml version="1.0" encoding="utf-8"?>
+<p:properties xmlns:p="http://schemas.microsoft.com/office/2006/metadata/properties" xmlns:xsi="http://www.w3.org/2001/XMLSchema-instance" xmlns:pc="http://schemas.microsoft.com/office/infopath/2007/PartnerControls">
+  <documentManagement>
+    <MediaServiceKeyPoints xmlns="71af3243-3dd4-4a8d-8c0d-dd76da1f02a5" xsi:nil="true"/>
+  </documentManagement>
+</p:properties>
+</file>
+
 <file path=customXml/itemProps1.xml><?xml version="1.0" encoding="utf-8"?>
 <ds:datastoreItem xmlns:ds="http://schemas.openxmlformats.org/officeDocument/2006/customXml" ds:itemID="{33315AA3-EAE3-44ED-8368-BAC2FFFB4817}">
   <ds:schemaRefs>
@@ -13797,16 +13789,6 @@
 </file>
 
 <file path=customXml/itemProps2.xml><?xml version="1.0" encoding="utf-8"?>
-<ds:datastoreItem xmlns:ds="http://schemas.openxmlformats.org/officeDocument/2006/customXml" ds:itemID="{D7023227-530E-4024-91EF-312A851A758C}">
-  <ds:schemaRefs>
-    <ds:schemaRef ds:uri="http://schemas.microsoft.com/office/2006/metadata/properties"/>
-    <ds:schemaRef ds:uri="http://schemas.microsoft.com/office/infopath/2007/PartnerControls"/>
-    <ds:schemaRef ds:uri="71af3243-3dd4-4a8d-8c0d-dd76da1f02a5"/>
-  </ds:schemaRefs>
-</ds:datastoreItem>
-</file>
-
-<file path=customXml/itemProps3.xml><?xml version="1.0" encoding="utf-8"?>
 <ds:datastoreItem xmlns:ds="http://schemas.openxmlformats.org/officeDocument/2006/customXml" ds:itemID="{627C19A7-3107-4CB2-BD0D-F7C79BE028CC}">
   <ds:schemaRefs>
     <ds:schemaRef ds:uri="http://schemas.microsoft.com/office/2006/metadata/contentType"/>
@@ -13823,4 +13805,14 @@
     <ds:schemaRef ds:uri="http://schemas.microsoft.com/internal/obd"/>
   </ds:schemaRefs>
 </ds:datastoreItem>
+</file>
+
+<file path=customXml/itemProps3.xml><?xml version="1.0" encoding="utf-8"?>
+<ds:datastoreItem xmlns:ds="http://schemas.openxmlformats.org/officeDocument/2006/customXml" ds:itemID="{D7023227-530E-4024-91EF-312A851A758C}">
+  <ds:schemaRefs>
+    <ds:schemaRef ds:uri="http://schemas.microsoft.com/office/2006/metadata/properties"/>
+    <ds:schemaRef ds:uri="http://schemas.microsoft.com/office/infopath/2007/PartnerControls"/>
+    <ds:schemaRef ds:uri="71af3243-3dd4-4a8d-8c0d-dd76da1f02a5"/>
+  </ds:schemaRefs>
+</ds:datastoreItem>
 </file>